--- a/public/ppt/000004.pptx
+++ b/public/ppt/000004.pptx
@@ -3366,14 +3366,14 @@
             <a:pPr algn="ctr"/>
             <a:r>
               <a:rPr kumimoji="1" lang="en-US" altLang="ko-KR" dirty="0">
-                <a:latin typeface="Times New Roman" panose="02020603050405020304" pitchFamily="18" charset="0"/>
-                <a:cs typeface="Times New Roman" panose="02020603050405020304" pitchFamily="18" charset="0"/>
+                <a:latin typeface="Consolas" panose="020B0609020204030204" pitchFamily="49" charset="0"/>
+                <a:cs typeface="Consolas" panose="020B0609020204030204" pitchFamily="49" charset="0"/>
               </a:rPr>
               <a:t>type</a:t>
             </a:r>
             <a:endParaRPr kumimoji="1" lang="ko-KR" altLang="en-US" dirty="0">
-              <a:latin typeface="Times New Roman" panose="02020603050405020304" pitchFamily="18" charset="0"/>
-              <a:cs typeface="Times New Roman" panose="02020603050405020304" pitchFamily="18" charset="0"/>
+              <a:latin typeface="Consolas" panose="020B0609020204030204" pitchFamily="49" charset="0"/>
+              <a:cs typeface="Consolas" panose="020B0609020204030204" pitchFamily="49" charset="0"/>
             </a:endParaRPr>
           </a:p>
         </p:txBody>
@@ -3424,15 +3424,15 @@
           <a:p>
             <a:pPr algn="ctr"/>
             <a:r>
-              <a:rPr kumimoji="1" lang="en-US" altLang="ko-KR" dirty="0">
-                <a:latin typeface="Times New Roman" panose="02020603050405020304" pitchFamily="18" charset="0"/>
-                <a:cs typeface="Times New Roman" panose="02020603050405020304" pitchFamily="18" charset="0"/>
+              <a:rPr kumimoji="1" lang="en-US" altLang="ko-KR" sz="1400" dirty="0">
+                <a:latin typeface="Consolas" panose="020B0609020204030204" pitchFamily="49" charset="0"/>
+                <a:cs typeface="Consolas" panose="020B0609020204030204" pitchFamily="49" charset="0"/>
               </a:rPr>
               <a:t>object</a:t>
             </a:r>
-            <a:endParaRPr kumimoji="1" lang="ko-KR" altLang="en-US" dirty="0">
-              <a:latin typeface="Times New Roman" panose="02020603050405020304" pitchFamily="18" charset="0"/>
-              <a:cs typeface="Times New Roman" panose="02020603050405020304" pitchFamily="18" charset="0"/>
+            <a:endParaRPr kumimoji="1" lang="ko-KR" altLang="en-US" sz="1400" dirty="0">
+              <a:latin typeface="Consolas" panose="020B0609020204030204" pitchFamily="49" charset="0"/>
+              <a:cs typeface="Consolas" panose="020B0609020204030204" pitchFamily="49" charset="0"/>
             </a:endParaRPr>
           </a:p>
         </p:txBody>
@@ -3620,14 +3620,14 @@
             <a:pPr algn="ctr"/>
             <a:r>
               <a:rPr kumimoji="1" lang="en-US" altLang="ko-KR" dirty="0">
-                <a:latin typeface="Times New Roman" panose="02020603050405020304" pitchFamily="18" charset="0"/>
-                <a:cs typeface="Times New Roman" panose="02020603050405020304" pitchFamily="18" charset="0"/>
+                <a:latin typeface="Consolas" panose="020B0609020204030204" pitchFamily="49" charset="0"/>
+                <a:cs typeface="Consolas" panose="020B0609020204030204" pitchFamily="49" charset="0"/>
               </a:rPr>
               <a:t>int</a:t>
             </a:r>
             <a:endParaRPr kumimoji="1" lang="ko-KR" altLang="en-US" dirty="0">
-              <a:latin typeface="Times New Roman" panose="02020603050405020304" pitchFamily="18" charset="0"/>
-              <a:cs typeface="Times New Roman" panose="02020603050405020304" pitchFamily="18" charset="0"/>
+              <a:latin typeface="Consolas" panose="020B0609020204030204" pitchFamily="49" charset="0"/>
+              <a:cs typeface="Consolas" panose="020B0609020204030204" pitchFamily="49" charset="0"/>
             </a:endParaRPr>
           </a:p>
         </p:txBody>
@@ -3742,7 +3742,7 @@
                 <a:latin typeface="Times New Roman" panose="02020603050405020304" pitchFamily="18" charset="0"/>
                 <a:cs typeface="Times New Roman" panose="02020603050405020304" pitchFamily="18" charset="0"/>
               </a:rPr>
-              <a:t>1</a:t>
+              <a:t>3</a:t>
             </a:r>
             <a:endParaRPr kumimoji="1" lang="ko-KR" altLang="en-US" dirty="0">
               <a:latin typeface="Times New Roman" panose="02020603050405020304" pitchFamily="18" charset="0"/>
@@ -4066,55 +4066,6 @@
           <a:ln w="28575">
             <a:solidFill>
               <a:schemeClr val="accent1"/>
-            </a:solidFill>
-            <a:tailEnd type="triangle"/>
-          </a:ln>
-        </p:spPr>
-        <p:style>
-          <a:lnRef idx="1">
-            <a:schemeClr val="accent1"/>
-          </a:lnRef>
-          <a:fillRef idx="0">
-            <a:schemeClr val="accent1"/>
-          </a:fillRef>
-          <a:effectRef idx="0">
-            <a:schemeClr val="accent1"/>
-          </a:effectRef>
-          <a:fontRef idx="minor">
-            <a:schemeClr val="tx1"/>
-          </a:fontRef>
-        </p:style>
-      </p:cxnSp>
-      <p:cxnSp>
-        <p:nvCxnSpPr>
-          <p:cNvPr id="113" name="구부러진 연결선[U] 112">
-            <a:extLst>
-              <a:ext uri="{FF2B5EF4-FFF2-40B4-BE49-F238E27FC236}">
-                <a16:creationId xmlns:a16="http://schemas.microsoft.com/office/drawing/2014/main" id="{9BAF60FC-B9FE-6E4B-904C-DB0A61D021E8}"/>
-              </a:ext>
-            </a:extLst>
-          </p:cNvPr>
-          <p:cNvCxnSpPr>
-            <a:cxnSpLocks/>
-            <a:stCxn id="6" idx="3"/>
-            <a:endCxn id="6" idx="0"/>
-          </p:cNvCxnSpPr>
-          <p:nvPr/>
-        </p:nvCxnSpPr>
-        <p:spPr>
-          <a:xfrm flipH="1" flipV="1">
-            <a:off x="2953527" y="1558301"/>
-            <a:ext cx="409363" cy="199697"/>
-          </a:xfrm>
-          <a:prstGeom prst="curvedConnector4">
-            <a:avLst>
-              <a:gd name="adj1" fmla="val -21153"/>
-              <a:gd name="adj2" fmla="val 214473"/>
-            </a:avLst>
-          </a:prstGeom>
-          <a:ln w="28575">
-            <a:solidFill>
-              <a:srgbClr val="C00000"/>
             </a:solidFill>
             <a:tailEnd type="triangle"/>
           </a:ln>
@@ -4871,8 +4822,8 @@
             </p:nvSpPr>
             <p:spPr>
               <a:xfrm>
-                <a:off x="3913903" y="1565960"/>
-                <a:ext cx="457176" cy="274947"/>
+                <a:off x="3847175" y="1565960"/>
+                <a:ext cx="655949" cy="274947"/>
               </a:xfrm>
               <a:prstGeom prst="rect">
                 <a:avLst/>
@@ -4895,7 +4846,7 @@
                     <a:latin typeface="Times New Roman" panose="02020603050405020304" pitchFamily="18" charset="0"/>
                     <a:cs typeface="Times New Roman" panose="02020603050405020304" pitchFamily="18" charset="0"/>
                   </a:rPr>
-                  <a:t>inherits</a:t>
+                  <a:t>inherits from</a:t>
                 </a:r>
               </a:p>
             </p:txBody>
@@ -5465,50 +5416,6 @@
           <a:xfrm flipV="1">
             <a:off x="1365561" y="1209723"/>
             <a:ext cx="2746" cy="959578"/>
-          </a:xfrm>
-          <a:prstGeom prst="straightConnector1">
-            <a:avLst/>
-          </a:prstGeom>
-          <a:ln w="28575">
-            <a:solidFill>
-              <a:schemeClr val="accent1"/>
-            </a:solidFill>
-            <a:tailEnd type="triangle"/>
-          </a:ln>
-        </p:spPr>
-        <p:style>
-          <a:lnRef idx="3">
-            <a:schemeClr val="accent1"/>
-          </a:lnRef>
-          <a:fillRef idx="0">
-            <a:schemeClr val="accent1"/>
-          </a:fillRef>
-          <a:effectRef idx="2">
-            <a:schemeClr val="accent1"/>
-          </a:effectRef>
-          <a:fontRef idx="minor">
-            <a:schemeClr val="tx1"/>
-          </a:fontRef>
-        </p:style>
-      </p:cxnSp>
-      <p:cxnSp>
-        <p:nvCxnSpPr>
-          <p:cNvPr id="230" name="직선 화살표 연결선 229">
-            <a:extLst>
-              <a:ext uri="{FF2B5EF4-FFF2-40B4-BE49-F238E27FC236}">
-                <a16:creationId xmlns:a16="http://schemas.microsoft.com/office/drawing/2014/main" id="{60E6831E-85EE-C44D-8FA0-ECBBF52568AE}"/>
-              </a:ext>
-            </a:extLst>
-          </p:cNvPr>
-          <p:cNvCxnSpPr>
-            <a:cxnSpLocks/>
-          </p:cNvCxnSpPr>
-          <p:nvPr/>
-        </p:nvCxnSpPr>
-        <p:spPr>
-          <a:xfrm>
-            <a:off x="5130061" y="2957042"/>
-            <a:ext cx="234000" cy="0"/>
           </a:xfrm>
           <a:prstGeom prst="straightConnector1">
             <a:avLst/>
